--- a/draft-gandhi-spring-twamp-srpm-10.pptx
+++ b/draft-gandhi-spring-twamp-srpm-10.pptx
@@ -8950,7 +8950,7 @@
             </a:pPr>
             <a:r>
               <a:rPr lang="en-US" sz="1800" dirty="0"/>
-              <a:t>Sending PM probe queries that can take advantage of the hashing function in forwarding plane.</a:t>
+              <a:t>Sending probe queries that can take advantage of the hashing function in forwarding plane.</a:t>
             </a:r>
           </a:p>
           <a:p>
@@ -8964,7 +8964,7 @@
             </a:pPr>
             <a:r>
               <a:rPr lang="en-US" sz="1800" dirty="0"/>
-              <a:t>Existing forwarding mechanisms are applicable to PM probe messages. Examples are:</a:t>
+              <a:t>Existing forwarding mechanisms are applicable to probe messages. Examples are:</a:t>
             </a:r>
           </a:p>
           <a:p>

--- a/draft-gandhi-spring-twamp-srpm-10.pptx
+++ b/draft-gandhi-spring-twamp-srpm-10.pptx
@@ -260,7 +260,7 @@
           <a:p>
             <a:fld id="{E8FA3DB5-7722-3F4F-947D-12B203669AD7}" type="datetimeFigureOut">
               <a:rPr lang="en-US" smtClean="0"/>
-              <a:t>8/4/20</a:t>
+              <a:t>8/4/2020</a:t>
             </a:fld>
             <a:endParaRPr lang="en-US"/>
           </a:p>
@@ -5921,7 +5921,7 @@
           <a:p>
             <a:r>
               <a:rPr lang="en-US" sz="1600" dirty="0"/>
-              <a:t>Applicable to physical, virtual, LAG and LAG member links – probe messages pre-routed over the links</a:t>
+              <a:t>Applicable to physical, virtual, LAG, LAG member, numbered/unnumbered links – probe messages pre-routed over the links</a:t>
             </a:r>
           </a:p>
         </p:txBody>
@@ -5934,7 +5934,7 @@
         </p:nvSpPr>
         <p:spPr>
           <a:xfrm>
-            <a:off x="2133600" y="1837752"/>
+            <a:off x="2133600" y="1981527"/>
             <a:ext cx="4657725" cy="2723823"/>
           </a:xfrm>
           <a:prstGeom prst="rect">
@@ -9668,7 +9668,7 @@
             </a:pPr>
             <a:r>
               <a:rPr lang="en-US" sz="1400" dirty="0"/>
-              <a:t>Links include physical, virtual, LAG (bundles) and LAG member links</a:t>
+              <a:t>Links include physical, virtual, LAG (bundle), LAG member, numbered/unnumbered links</a:t>
             </a:r>
           </a:p>
           <a:p>
@@ -9708,15 +9708,7 @@
             </a:pPr>
             <a:r>
               <a:rPr lang="en-US" sz="1400" dirty="0"/>
-              <a:t>State </a:t>
-            </a:r>
-            <a:r>
-              <a:rPr lang="en-US" sz="1400"/>
-              <a:t>is in the </a:t>
-            </a:r>
-            <a:r>
-              <a:rPr lang="en-US" sz="1400" dirty="0"/>
-              <a:t>probe message</a:t>
+              <a:t>State is in the probe message</a:t>
             </a:r>
           </a:p>
           <a:p>

--- a/draft-gandhi-spring-twamp-srpm-10.pptx
+++ b/draft-gandhi-spring-twamp-srpm-10.pptx
@@ -260,7 +260,7 @@
           <a:p>
             <a:fld id="{E8FA3DB5-7722-3F4F-947D-12B203669AD7}" type="datetimeFigureOut">
               <a:rPr lang="en-US" smtClean="0"/>
-              <a:t>8/4/2020</a:t>
+              <a:t>8/5/20</a:t>
             </a:fld>
             <a:endParaRPr lang="en-US"/>
           </a:p>
@@ -7056,7 +7056,7 @@
                 <a:ea typeface="Courier" charset="0"/>
                 <a:cs typeface="Courier" charset="0"/>
               </a:rPr>
-              <a:t>| IP Header (if needed)                                         |</a:t>
+              <a:t>| IP Header (as needed)                                         |</a:t>
             </a:r>
           </a:p>
           <a:p>
@@ -9688,7 +9688,7 @@
             </a:pPr>
             <a:r>
               <a:rPr lang="en-US" sz="1400" dirty="0"/>
-              <a:t>No need to signal to bootstrap PM session - spirit of SR</a:t>
+              <a:t>No need to signal to PM parameters - spirit of SR</a:t>
             </a:r>
           </a:p>
           <a:p>
@@ -11142,7 +11142,7 @@
         <p:spPr>
           <a:xfrm>
             <a:off x="228600" y="971550"/>
-            <a:ext cx="3733800" cy="3108543"/>
+            <a:ext cx="3733800" cy="2677656"/>
           </a:xfrm>
           <a:prstGeom prst="rect">
             <a:avLst/>
@@ -11262,18 +11262,62 @@
               <a:t>0x2: No Response Requested.</a:t>
             </a:r>
           </a:p>
-          <a:p>
-            <a:endParaRPr lang="en-US" sz="1400" dirty="0">
-              <a:solidFill>
-                <a:schemeClr val="tx2"/>
-              </a:solidFill>
-              <a:latin typeface="Calibri" panose="020F0502020204030204" pitchFamily="34" charset="0"/>
-              <a:cs typeface="Calibri" panose="020F0502020204030204" pitchFamily="34" charset="0"/>
-            </a:endParaRPr>
-          </a:p>
-          <a:p>
-            <a:r>
-              <a:rPr lang="en-US" sz="1400" b="1" dirty="0">
+        </p:txBody>
+      </p:sp>
+      <p:sp>
+        <p:nvSpPr>
+          <p:cNvPr id="8" name="Rectangle 7">
+            <a:extLst>
+              <a:ext uri="{FF2B5EF4-FFF2-40B4-BE49-F238E27FC236}">
+                <a16:creationId xmlns:a16="http://schemas.microsoft.com/office/drawing/2014/main" id="{62BF2054-7F45-344A-B195-6A27815CE79F}"/>
+              </a:ext>
+            </a:extLst>
+          </p:cNvPr>
+          <p:cNvSpPr/>
+          <p:nvPr/>
+        </p:nvSpPr>
+        <p:spPr>
+          <a:xfrm>
+            <a:off x="0" y="3758505"/>
+            <a:ext cx="3548477" cy="1384995"/>
+          </a:xfrm>
+          <a:prstGeom prst="rect">
+            <a:avLst/>
+          </a:prstGeom>
+          <a:ln>
+            <a:solidFill>
+              <a:schemeClr val="accent6"/>
+            </a:solidFill>
+          </a:ln>
+        </p:spPr>
+        <p:txBody>
+          <a:bodyPr wrap="square">
+            <a:spAutoFit/>
+          </a:bodyPr>
+          <a:lstStyle/>
+          <a:p>
+            <a:pPr marL="285750" indent="-285750">
+              <a:buFont typeface="Arial" panose="020B0604020202020204" pitchFamily="34" charset="0"/>
+              <a:buChar char="•"/>
+            </a:pPr>
+            <a:r>
+              <a:rPr lang="en-US" sz="1400" dirty="0">
+                <a:solidFill>
+                  <a:schemeClr val="tx2"/>
+                </a:solidFill>
+                <a:latin typeface="Calibri" panose="020F0502020204030204" pitchFamily="34" charset="0"/>
+                <a:cs typeface="Calibri" panose="020F0502020204030204" pitchFamily="34" charset="0"/>
+              </a:rPr>
+              <a:t>With this, the reflector node does not require any additional SR state for PM (recall that in SR networks, the state is in the probe packet and signaling of the parameters is avoided).</a:t>
+            </a:r>
+          </a:p>
+          <a:p>
+            <a:pPr marL="285750" indent="-285750">
+              <a:buFont typeface="Arial" panose="020B0604020202020204" pitchFamily="34" charset="0"/>
+              <a:buChar char="•"/>
+            </a:pPr>
+            <a:r>
+              <a:rPr lang="en-US" sz="1400" dirty="0">
                 <a:solidFill>
                   <a:schemeClr val="tx2"/>
                 </a:solidFill>
